--- a/Presentations_Main/13_Proposal writing.pptx
+++ b/Presentations_Main/13_Proposal writing.pptx
@@ -5,7 +5,7 @@
     <p:sldMasterId id="2147483652" r:id="rId1"/>
   </p:sldMasterIdLst>
   <p:notesMasterIdLst>
-    <p:notesMasterId r:id="rId12"/>
+    <p:notesMasterId r:id="rId13"/>
   </p:notesMasterIdLst>
   <p:sldIdLst>
     <p:sldId id="267" r:id="rId2"/>
@@ -17,7 +17,8 @@
     <p:sldId id="263" r:id="rId8"/>
     <p:sldId id="264" r:id="rId9"/>
     <p:sldId id="265" r:id="rId10"/>
-    <p:sldId id="266" r:id="rId11"/>
+    <p:sldId id="268" r:id="rId11"/>
+    <p:sldId id="266" r:id="rId12"/>
   </p:sldIdLst>
   <p:sldSz cx="24384000" cy="13716000"/>
   <p:notesSz cx="6858000" cy="9144000"/>
@@ -1052,7 +1053,7 @@
           </a:ln>
           <a:extLst>
             <a:ext uri="{C572A759-6A51-4108-AA02-DFA0A04FC94B}">
-              <ma14:wrappingTextBoxFlag xmlns="" xmlns:ma14="http://schemas.microsoft.com/office/mac/drawingml/2011/main" val="1"/>
+              <ma14:wrappingTextBoxFlag xmlns:ma14="http://schemas.microsoft.com/office/mac/drawingml/2011/main" xmlns="" val="1"/>
             </a:ext>
           </a:extLst>
         </p:spPr>
@@ -1549,7 +1550,7 @@
           </a:ln>
           <a:extLst>
             <a:ext uri="{C572A759-6A51-4108-AA02-DFA0A04FC94B}">
-              <ma14:wrappingTextBoxFlag xmlns="" xmlns:ma14="http://schemas.microsoft.com/office/mac/drawingml/2011/main" val="1"/>
+              <ma14:wrappingTextBoxFlag xmlns:ma14="http://schemas.microsoft.com/office/mac/drawingml/2011/main" xmlns="" val="1"/>
             </a:ext>
           </a:extLst>
         </p:spPr>
@@ -2336,7 +2337,7 @@
           </a:ln>
           <a:extLst>
             <a:ext uri="{C572A759-6A51-4108-AA02-DFA0A04FC94B}">
-              <ma14:wrappingTextBoxFlag xmlns="" xmlns:ma14="http://schemas.microsoft.com/office/mac/drawingml/2011/main" val="1"/>
+              <ma14:wrappingTextBoxFlag xmlns:ma14="http://schemas.microsoft.com/office/mac/drawingml/2011/main" xmlns="" val="1"/>
             </a:ext>
           </a:extLst>
         </p:spPr>
@@ -2533,7 +2534,7 @@
           </a:ln>
           <a:extLst>
             <a:ext uri="{C572A759-6A51-4108-AA02-DFA0A04FC94B}">
-              <ma14:wrappingTextBoxFlag xmlns="" xmlns:ma14="http://schemas.microsoft.com/office/mac/drawingml/2011/main" val="1"/>
+              <ma14:wrappingTextBoxFlag xmlns:ma14="http://schemas.microsoft.com/office/mac/drawingml/2011/main" xmlns="" val="1"/>
             </a:ext>
           </a:extLst>
         </p:spPr>
@@ -3475,6 +3476,346 @@
       </p:grpSpPr>
       <p:sp>
         <p:nvSpPr>
+          <p:cNvPr id="2" name="Text Placeholder 1">
+            <a:extLst>
+              <a:ext uri="{FF2B5EF4-FFF2-40B4-BE49-F238E27FC236}">
+                <a16:creationId xmlns:a16="http://schemas.microsoft.com/office/drawing/2014/main" id="{F5362F7B-5F6B-B0DC-1307-2A7D6E92D468}"/>
+              </a:ext>
+            </a:extLst>
+          </p:cNvPr>
+          <p:cNvSpPr>
+            <a:spLocks noGrp="1"/>
+          </p:cNvSpPr>
+          <p:nvPr>
+            <p:ph type="body" idx="1"/>
+          </p:nvPr>
+        </p:nvSpPr>
+        <p:spPr/>
+        <p:txBody>
+          <a:bodyPr>
+            <a:normAutofit fontScale="70000" lnSpcReduction="20000"/>
+          </a:bodyPr>
+          <a:lstStyle/>
+          <a:p>
+            <a:pPr algn="l">
+              <a:buFont typeface="Arial" panose="020B0604020202020204" pitchFamily="34" charset="0"/>
+              <a:buChar char="•"/>
+            </a:pPr>
+            <a:r>
+              <a:rPr lang="en-AU" b="0" i="0" u="none" strike="noStrike" dirty="0">
+                <a:solidFill>
+                  <a:srgbClr val="000000"/>
+                </a:solidFill>
+                <a:effectLst/>
+                <a:latin typeface="Calibri" panose="020F0502020204030204" pitchFamily="34" charset="0"/>
+              </a:rPr>
+              <a:t>Cycle 2 proposal deadline: January 27th @ 8 PM EST = January 28th @ 12 PM AEDT.</a:t>
+            </a:r>
+          </a:p>
+          <a:p>
+            <a:pPr algn="l">
+              <a:buFont typeface="Arial" panose="020B0604020202020204" pitchFamily="34" charset="0"/>
+              <a:buChar char="•"/>
+            </a:pPr>
+            <a:r>
+              <a:rPr lang="en-AU" b="0" i="0" u="none" strike="noStrike" dirty="0">
+                <a:solidFill>
+                  <a:srgbClr val="000000"/>
+                </a:solidFill>
+                <a:effectLst/>
+                <a:latin typeface="Calibri" panose="020F0502020204030204" pitchFamily="34" charset="0"/>
+              </a:rPr>
+              <a:t>Proposals have total page limits but there are no limits on specific sections (i.e., Scientific Justification and Technical Justification sections are not limited in how long they can be within the total, but proposers should aim for a balance).</a:t>
+            </a:r>
+          </a:p>
+          <a:p>
+            <a:pPr algn="l">
+              <a:buFont typeface="Arial" panose="020B0604020202020204" pitchFamily="34" charset="0"/>
+              <a:buChar char="•"/>
+            </a:pPr>
+            <a:r>
+              <a:rPr lang="en-AU" b="0" i="0" u="none" strike="noStrike" dirty="0">
+                <a:solidFill>
+                  <a:srgbClr val="000000"/>
+                </a:solidFill>
+                <a:effectLst/>
+                <a:latin typeface="Calibri" panose="020F0502020204030204" pitchFamily="34" charset="0"/>
+              </a:rPr>
+              <a:t>A new version of the GTVT/MTVT (v0.3.0) was recently released. This release includes an updated JWST ephemeris, so updating this tool (if you have already installed it) would be a good idea to ensure more accurate visibility windows.</a:t>
+            </a:r>
+          </a:p>
+          <a:p>
+            <a:pPr algn="l">
+              <a:buFont typeface="Arial" panose="020B0604020202020204" pitchFamily="34" charset="0"/>
+              <a:buChar char="•"/>
+            </a:pPr>
+            <a:r>
+              <a:rPr lang="en-AU" b="0" i="0" u="none" strike="noStrike" dirty="0">
+                <a:solidFill>
+                  <a:srgbClr val="000000"/>
+                </a:solidFill>
+                <a:effectLst/>
+                <a:latin typeface="Calibri" panose="020F0502020204030204" pitchFamily="34" charset="0"/>
+              </a:rPr>
+              <a:t>JIST has not yet been updated based on commissioning results (waiting for release of ETC 2.0).</a:t>
+            </a:r>
+          </a:p>
+          <a:p>
+            <a:pPr algn="l">
+              <a:buFont typeface="Arial" panose="020B0604020202020204" pitchFamily="34" charset="0"/>
+              <a:buChar char="•"/>
+            </a:pPr>
+            <a:r>
+              <a:rPr lang="en-AU" b="0" i="0" u="none" strike="noStrike" dirty="0">
+                <a:solidFill>
+                  <a:srgbClr val="000000"/>
+                </a:solidFill>
+                <a:effectLst/>
+                <a:latin typeface="Calibri" panose="020F0502020204030204" pitchFamily="34" charset="0"/>
+              </a:rPr>
+              <a:t>The "</a:t>
+            </a:r>
+            <a:r>
+              <a:rPr lang="en-AU" b="0" i="0" u="none" strike="noStrike" dirty="0" err="1">
+                <a:solidFill>
+                  <a:srgbClr val="000000"/>
+                </a:solidFill>
+                <a:effectLst/>
+                <a:latin typeface="Calibri" panose="020F0502020204030204" pitchFamily="34" charset="0"/>
+              </a:rPr>
+              <a:t>awesimsoss</a:t>
+            </a:r>
+            <a:r>
+              <a:rPr lang="en-AU" b="0" i="0" u="none" strike="noStrike" dirty="0">
+                <a:solidFill>
+                  <a:srgbClr val="000000"/>
+                </a:solidFill>
+                <a:effectLst/>
+                <a:latin typeface="Calibri" panose="020F0502020204030204" pitchFamily="34" charset="0"/>
+              </a:rPr>
+              <a:t>" tool has been subsumed into MIRAGE and is no longer standalone.</a:t>
+            </a:r>
+          </a:p>
+          <a:p>
+            <a:pPr algn="l">
+              <a:buFont typeface="Arial" panose="020B0604020202020204" pitchFamily="34" charset="0"/>
+              <a:buChar char="•"/>
+            </a:pPr>
+            <a:r>
+              <a:rPr lang="en-AU" b="0" i="0" u="none" strike="noStrike" dirty="0" err="1">
+                <a:solidFill>
+                  <a:srgbClr val="000000"/>
+                </a:solidFill>
+                <a:effectLst/>
+                <a:latin typeface="Calibri" panose="020F0502020204030204" pitchFamily="34" charset="0"/>
+              </a:rPr>
+              <a:t>MIRISim</a:t>
+            </a:r>
+            <a:r>
+              <a:rPr lang="en-AU" b="0" i="0" u="none" strike="noStrike" dirty="0">
+                <a:solidFill>
+                  <a:srgbClr val="000000"/>
+                </a:solidFill>
+                <a:effectLst/>
+                <a:latin typeface="Calibri" panose="020F0502020204030204" pitchFamily="34" charset="0"/>
+              </a:rPr>
+              <a:t> can still be downloaded but is no longer under active development. Support for this tool is extremely reduced.</a:t>
+            </a:r>
+          </a:p>
+          <a:p>
+            <a:pPr algn="l">
+              <a:buFont typeface="Arial" panose="020B0604020202020204" pitchFamily="34" charset="0"/>
+              <a:buChar char="•"/>
+            </a:pPr>
+            <a:r>
+              <a:rPr lang="en-AU" b="0" i="0" u="none" strike="noStrike" dirty="0">
+                <a:solidFill>
+                  <a:srgbClr val="000000"/>
+                </a:solidFill>
+                <a:effectLst/>
+                <a:latin typeface="Calibri" panose="020F0502020204030204" pitchFamily="34" charset="0"/>
+              </a:rPr>
+              <a:t>The "duty cycle" definition is incorrect. It should be (</a:t>
+            </a:r>
+            <a:r>
+              <a:rPr lang="en-AU" b="0" i="0" u="none" strike="noStrike" dirty="0" err="1">
+                <a:solidFill>
+                  <a:srgbClr val="000000"/>
+                </a:solidFill>
+                <a:effectLst/>
+                <a:latin typeface="Calibri" panose="020F0502020204030204" pitchFamily="34" charset="0"/>
+              </a:rPr>
+              <a:t>saturation_time</a:t>
+            </a:r>
+            <a:r>
+              <a:rPr lang="en-AU" b="0" i="0" u="none" strike="noStrike" dirty="0">
+                <a:solidFill>
+                  <a:srgbClr val="000000"/>
+                </a:solidFill>
+                <a:effectLst/>
+                <a:latin typeface="Calibri" panose="020F0502020204030204" pitchFamily="34" charset="0"/>
+              </a:rPr>
+              <a:t> * </a:t>
+            </a:r>
+            <a:r>
+              <a:rPr lang="en-AU" b="0" i="0" u="none" strike="noStrike" dirty="0" err="1">
+                <a:solidFill>
+                  <a:srgbClr val="000000"/>
+                </a:solidFill>
+                <a:effectLst/>
+                <a:latin typeface="Calibri" panose="020F0502020204030204" pitchFamily="34" charset="0"/>
+              </a:rPr>
+              <a:t>number_integrations_per_exposure</a:t>
+            </a:r>
+            <a:r>
+              <a:rPr lang="en-AU" b="0" i="0" u="none" strike="noStrike" dirty="0">
+                <a:solidFill>
+                  <a:srgbClr val="000000"/>
+                </a:solidFill>
+                <a:effectLst/>
+                <a:latin typeface="Calibri" panose="020F0502020204030204" pitchFamily="34" charset="0"/>
+              </a:rPr>
+              <a:t>)/</a:t>
+            </a:r>
+            <a:r>
+              <a:rPr lang="en-AU" b="0" i="0" u="none" strike="noStrike" dirty="0" err="1">
+                <a:solidFill>
+                  <a:srgbClr val="000000"/>
+                </a:solidFill>
+                <a:effectLst/>
+                <a:latin typeface="Calibri" panose="020F0502020204030204" pitchFamily="34" charset="0"/>
+              </a:rPr>
+              <a:t>exposure_time</a:t>
+            </a:r>
+            <a:r>
+              <a:rPr lang="en-AU" b="0" i="0" u="none" strike="noStrike" dirty="0">
+                <a:solidFill>
+                  <a:srgbClr val="000000"/>
+                </a:solidFill>
+                <a:effectLst/>
+                <a:latin typeface="Calibri" panose="020F0502020204030204" pitchFamily="34" charset="0"/>
+              </a:rPr>
+              <a:t>.</a:t>
+            </a:r>
+          </a:p>
+          <a:p>
+            <a:pPr algn="l">
+              <a:buFont typeface="Arial" panose="020B0604020202020204" pitchFamily="34" charset="0"/>
+              <a:buChar char="•"/>
+            </a:pPr>
+            <a:r>
+              <a:rPr lang="en-AU" b="0" i="0" u="none" strike="noStrike" dirty="0">
+                <a:solidFill>
+                  <a:srgbClr val="000000"/>
+                </a:solidFill>
+                <a:effectLst/>
+                <a:latin typeface="Calibri" panose="020F0502020204030204" pitchFamily="34" charset="0"/>
+              </a:rPr>
+              <a:t>Simultaneous </a:t>
+            </a:r>
+            <a:r>
+              <a:rPr lang="en-AU" b="0" i="0" u="none" strike="noStrike" dirty="0" err="1">
+                <a:solidFill>
+                  <a:srgbClr val="000000"/>
+                </a:solidFill>
+                <a:effectLst/>
+                <a:latin typeface="Calibri" panose="020F0502020204030204" pitchFamily="34" charset="0"/>
+              </a:rPr>
+              <a:t>NIRCam</a:t>
+            </a:r>
+            <a:r>
+              <a:rPr lang="en-AU" b="0" i="0" u="none" strike="noStrike" dirty="0">
+                <a:solidFill>
+                  <a:srgbClr val="000000"/>
+                </a:solidFill>
+                <a:effectLst/>
+                <a:latin typeface="Calibri" panose="020F0502020204030204" pitchFamily="34" charset="0"/>
+              </a:rPr>
+              <a:t> coronagraphic imaging with the short- and long-wavelength channels is available in Cycle 2. APT and ETC will provide support for this updated mode.</a:t>
+            </a:r>
+          </a:p>
+          <a:p>
+            <a:pPr algn="l">
+              <a:buFont typeface="Arial" panose="020B0604020202020204" pitchFamily="34" charset="0"/>
+              <a:buChar char="•"/>
+            </a:pPr>
+            <a:r>
+              <a:rPr lang="en-AU" b="0" i="0" u="none" strike="noStrike" dirty="0">
+                <a:solidFill>
+                  <a:srgbClr val="000000"/>
+                </a:solidFill>
+                <a:effectLst/>
+                <a:latin typeface="Calibri" panose="020F0502020204030204" pitchFamily="34" charset="0"/>
+              </a:rPr>
+              <a:t>A new constraint, called the "micrometeoroid avoidance zone (MAZ)," will limit scheduling windows starting in Cycle 2. Basically, the number of observations in the direction of JWST's motion will be limited to reduce mirror degradation by micrometeoroid impacts. A new JDOX page will be published next week giving more details.</a:t>
+            </a:r>
+          </a:p>
+          <a:p>
+            <a:endParaRPr lang="en-US" dirty="0"/>
+          </a:p>
+        </p:txBody>
+      </p:sp>
+      <p:sp>
+        <p:nvSpPr>
+          <p:cNvPr id="3" name="Title 2">
+            <a:extLst>
+              <a:ext uri="{FF2B5EF4-FFF2-40B4-BE49-F238E27FC236}">
+                <a16:creationId xmlns:a16="http://schemas.microsoft.com/office/drawing/2014/main" id="{AE22C10E-4615-4CFF-4D71-079775DFCF97}"/>
+              </a:ext>
+            </a:extLst>
+          </p:cNvPr>
+          <p:cNvSpPr>
+            <a:spLocks noGrp="1"/>
+          </p:cNvSpPr>
+          <p:nvPr>
+            <p:ph type="title"/>
+          </p:nvPr>
+        </p:nvSpPr>
+        <p:spPr/>
+        <p:txBody>
+          <a:bodyPr/>
+          <a:lstStyle/>
+          <a:p>
+            <a:r>
+              <a:rPr lang="en-US" dirty="0"/>
+              <a:t>Extra Notes</a:t>
+            </a:r>
+          </a:p>
+        </p:txBody>
+      </p:sp>
+    </p:spTree>
+    <p:extLst>
+      <p:ext uri="{BB962C8B-B14F-4D97-AF65-F5344CB8AC3E}">
+        <p14:creationId xmlns:p14="http://schemas.microsoft.com/office/powerpoint/2010/main" val="3638165363"/>
+      </p:ext>
+    </p:extLst>
+  </p:cSld>
+  <p:clrMapOvr>
+    <a:masterClrMapping/>
+  </p:clrMapOvr>
+  <p:transition spd="med"/>
+</p:sld>
+</file>
+
+<file path=ppt/slides/slide11.xml><?xml version="1.0" encoding="utf-8"?>
+<p:sld xmlns:a="http://schemas.openxmlformats.org/drawingml/2006/main" xmlns:r="http://schemas.openxmlformats.org/officeDocument/2006/relationships" xmlns:p="http://schemas.openxmlformats.org/presentationml/2006/main">
+  <p:cSld>
+    <p:spTree>
+      <p:nvGrpSpPr>
+        <p:cNvPr id="1" name=""/>
+        <p:cNvGrpSpPr/>
+        <p:nvPr/>
+      </p:nvGrpSpPr>
+      <p:grpSpPr>
+        <a:xfrm>
+          <a:off x="0" y="0"/>
+          <a:ext cx="0" cy="0"/>
+          <a:chOff x="0" y="0"/>
+          <a:chExt cx="0" cy="0"/>
+        </a:xfrm>
+      </p:grpSpPr>
+      <p:sp>
+        <p:nvSpPr>
           <p:cNvPr id="119" name="and when in doubt, ask the HelpDesk:…"/>
           <p:cNvSpPr>
             <a:spLocks noGrp="1"/>
@@ -3575,7 +3916,7 @@
           </a:prstGeom>
           <a:extLst>
             <a:ext uri="{C572A759-6A51-4108-AA02-DFA0A04FC94B}">
-              <ma14:wrappingTextBoxFlag xmlns="" xmlns:ma14="http://schemas.microsoft.com/office/mac/drawingml/2011/main" val="1"/>
+              <ma14:wrappingTextBoxFlag xmlns:ma14="http://schemas.microsoft.com/office/mac/drawingml/2011/main" xmlns="" val="1"/>
             </a:ext>
           </a:extLst>
         </p:spPr>
@@ -3868,7 +4209,7 @@
           </a:prstGeom>
           <a:extLst>
             <a:ext uri="{C572A759-6A51-4108-AA02-DFA0A04FC94B}">
-              <ma14:wrappingTextBoxFlag xmlns="" xmlns:ma14="http://schemas.microsoft.com/office/mac/drawingml/2011/main" val="1"/>
+              <ma14:wrappingTextBoxFlag xmlns:ma14="http://schemas.microsoft.com/office/mac/drawingml/2011/main" xmlns="" val="1"/>
             </a:ext>
           </a:extLst>
         </p:spPr>
@@ -4446,7 +4787,7 @@
           </a:prstGeom>
           <a:extLst>
             <a:ext uri="{C572A759-6A51-4108-AA02-DFA0A04FC94B}">
-              <ma14:wrappingTextBoxFlag xmlns="" xmlns:ma14="http://schemas.microsoft.com/office/mac/drawingml/2011/main" val="1"/>
+              <ma14:wrappingTextBoxFlag xmlns:ma14="http://schemas.microsoft.com/office/mac/drawingml/2011/main" xmlns="" val="1"/>
             </a:ext>
           </a:extLst>
         </p:spPr>
@@ -4555,7 +4896,7 @@
           </a:ln>
           <a:extLst>
             <a:ext uri="{C572A759-6A51-4108-AA02-DFA0A04FC94B}">
-              <ma14:wrappingTextBoxFlag xmlns="" xmlns:ma14="http://schemas.microsoft.com/office/mac/drawingml/2011/main" val="1"/>
+              <ma14:wrappingTextBoxFlag xmlns:ma14="http://schemas.microsoft.com/office/mac/drawingml/2011/main" xmlns="" val="1"/>
             </a:ext>
           </a:extLst>
         </p:spPr>
@@ -4696,7 +5037,7 @@
           </a:prstGeom>
           <a:extLst>
             <a:ext uri="{C572A759-6A51-4108-AA02-DFA0A04FC94B}">
-              <ma14:wrappingTextBoxFlag xmlns="" xmlns:ma14="http://schemas.microsoft.com/office/mac/drawingml/2011/main" val="1"/>
+              <ma14:wrappingTextBoxFlag xmlns:ma14="http://schemas.microsoft.com/office/mac/drawingml/2011/main" xmlns="" val="1"/>
             </a:ext>
           </a:extLst>
         </p:spPr>
@@ -4762,7 +5103,7 @@
           </a:ln>
           <a:extLst>
             <a:ext uri="{C572A759-6A51-4108-AA02-DFA0A04FC94B}">
-              <ma14:wrappingTextBoxFlag xmlns="" xmlns:ma14="http://schemas.microsoft.com/office/mac/drawingml/2011/main" val="1"/>
+              <ma14:wrappingTextBoxFlag xmlns:ma14="http://schemas.microsoft.com/office/mac/drawingml/2011/main" xmlns="" val="1"/>
             </a:ext>
           </a:extLst>
         </p:spPr>
@@ -4993,7 +5334,7 @@
           </a:prstGeom>
           <a:extLst>
             <a:ext uri="{C572A759-6A51-4108-AA02-DFA0A04FC94B}">
-              <ma14:wrappingTextBoxFlag xmlns="" xmlns:ma14="http://schemas.microsoft.com/office/mac/drawingml/2011/main" val="1"/>
+              <ma14:wrappingTextBoxFlag xmlns:ma14="http://schemas.microsoft.com/office/mac/drawingml/2011/main" xmlns="" val="1"/>
             </a:ext>
           </a:extLst>
         </p:spPr>
@@ -5245,7 +5586,7 @@
           </a:ln>
           <a:extLst>
             <a:ext uri="{C572A759-6A51-4108-AA02-DFA0A04FC94B}">
-              <ma14:wrappingTextBoxFlag xmlns="" xmlns:ma14="http://schemas.microsoft.com/office/mac/drawingml/2011/main" val="1"/>
+              <ma14:wrappingTextBoxFlag xmlns:ma14="http://schemas.microsoft.com/office/mac/drawingml/2011/main" xmlns="" val="1"/>
             </a:ext>
           </a:extLst>
         </p:spPr>
@@ -5321,7 +5662,7 @@
           </a:prstGeom>
           <a:extLst>
             <a:ext uri="{C572A759-6A51-4108-AA02-DFA0A04FC94B}">
-              <ma14:wrappingTextBoxFlag xmlns="" xmlns:ma14="http://schemas.microsoft.com/office/mac/drawingml/2011/main" val="1"/>
+              <ma14:wrappingTextBoxFlag xmlns:ma14="http://schemas.microsoft.com/office/mac/drawingml/2011/main" xmlns="" val="1"/>
             </a:ext>
           </a:extLst>
         </p:spPr>
@@ -5578,7 +5919,7 @@
           </a:ln>
           <a:extLst>
             <a:ext uri="{C572A759-6A51-4108-AA02-DFA0A04FC94B}">
-              <ma14:wrappingTextBoxFlag xmlns="" xmlns:ma14="http://schemas.microsoft.com/office/mac/drawingml/2011/main" val="1"/>
+              <ma14:wrappingTextBoxFlag xmlns:ma14="http://schemas.microsoft.com/office/mac/drawingml/2011/main" xmlns="" val="1"/>
             </a:ext>
           </a:extLst>
         </p:spPr>
@@ -5654,7 +5995,7 @@
           </a:prstGeom>
           <a:extLst>
             <a:ext uri="{C572A759-6A51-4108-AA02-DFA0A04FC94B}">
-              <ma14:wrappingTextBoxFlag xmlns="" xmlns:ma14="http://schemas.microsoft.com/office/mac/drawingml/2011/main" val="1"/>
+              <ma14:wrappingTextBoxFlag xmlns:ma14="http://schemas.microsoft.com/office/mac/drawingml/2011/main" xmlns="" val="1"/>
             </a:ext>
           </a:extLst>
         </p:spPr>
@@ -5736,7 +6077,7 @@
           </a:ln>
           <a:extLst>
             <a:ext uri="{C572A759-6A51-4108-AA02-DFA0A04FC94B}">
-              <ma14:wrappingTextBoxFlag xmlns="" xmlns:ma14="http://schemas.microsoft.com/office/mac/drawingml/2011/main" val="1"/>
+              <ma14:wrappingTextBoxFlag xmlns:ma14="http://schemas.microsoft.com/office/mac/drawingml/2011/main" xmlns="" val="1"/>
             </a:ext>
           </a:extLst>
         </p:spPr>
@@ -6077,7 +6418,7 @@
           </a:prstGeom>
           <a:extLst>
             <a:ext uri="{C572A759-6A51-4108-AA02-DFA0A04FC94B}">
-              <ma14:wrappingTextBoxFlag xmlns="" xmlns:ma14="http://schemas.microsoft.com/office/mac/drawingml/2011/main" val="1"/>
+              <ma14:wrappingTextBoxFlag xmlns:ma14="http://schemas.microsoft.com/office/mac/drawingml/2011/main" xmlns="" val="1"/>
             </a:ext>
           </a:extLst>
         </p:spPr>
@@ -6159,7 +6500,7 @@
           </a:ln>
           <a:extLst>
             <a:ext uri="{C572A759-6A51-4108-AA02-DFA0A04FC94B}">
-              <ma14:wrappingTextBoxFlag xmlns="" xmlns:ma14="http://schemas.microsoft.com/office/mac/drawingml/2011/main" val="1"/>
+              <ma14:wrappingTextBoxFlag xmlns:ma14="http://schemas.microsoft.com/office/mac/drawingml/2011/main" xmlns="" val="1"/>
             </a:ext>
           </a:extLst>
         </p:spPr>
@@ -6389,7 +6730,7 @@
           </a:ln>
           <a:extLst>
             <a:ext uri="{C572A759-6A51-4108-AA02-DFA0A04FC94B}">
-              <ma14:wrappingTextBoxFlag xmlns="" xmlns:ma14="http://schemas.microsoft.com/office/mac/drawingml/2011/main" val="1"/>
+              <ma14:wrappingTextBoxFlag xmlns:ma14="http://schemas.microsoft.com/office/mac/drawingml/2011/main" xmlns="" val="1"/>
             </a:ext>
           </a:extLst>
         </p:spPr>
